--- a/Dane_Holmes_DDS_Project_1_EDA.pptx
+++ b/Dane_Holmes_DDS_Project_1_EDA.pptx
@@ -137,7 +137,7 @@
   <pc:docChgLst>
     <pc:chgData name="Dane Holmes" userId="9738715a2d075a3d" providerId="LiveId" clId="{B0CA5465-E589-440D-A9B0-740531615B47}"/>
     <pc:docChg chg="custSel addSld modSld sldOrd">
-      <pc:chgData name="Dane Holmes" userId="9738715a2d075a3d" providerId="LiveId" clId="{B0CA5465-E589-440D-A9B0-740531615B47}" dt="2021-12-21T20:58:39.748" v="412" actId="1076"/>
+      <pc:chgData name="Dane Holmes" userId="9738715a2d075a3d" providerId="LiveId" clId="{B0CA5465-E589-440D-A9B0-740531615B47}" dt="2021-12-21T21:04:06.576" v="420" actId="1076"/>
       <pc:docMkLst>
         <pc:docMk/>
       </pc:docMkLst>
@@ -181,7 +181,7 @@
         </pc:picChg>
       </pc:sldChg>
       <pc:sldChg chg="addSp delSp modSp add mod ord setBg">
-        <pc:chgData name="Dane Holmes" userId="9738715a2d075a3d" providerId="LiveId" clId="{B0CA5465-E589-440D-A9B0-740531615B47}" dt="2021-12-21T20:45:55.356" v="391" actId="1076"/>
+        <pc:chgData name="Dane Holmes" userId="9738715a2d075a3d" providerId="LiveId" clId="{B0CA5465-E589-440D-A9B0-740531615B47}" dt="2021-12-21T21:04:06.576" v="420" actId="1076"/>
         <pc:sldMkLst>
           <pc:docMk/>
           <pc:sldMk cId="405626480" sldId="269"/>
@@ -242,6 +242,14 @@
             <ac:picMk id="4" creationId="{55299E53-D5F1-4453-A94C-2BC604389F67}"/>
           </ac:picMkLst>
         </pc:picChg>
+        <pc:picChg chg="add mod">
+          <ac:chgData name="Dane Holmes" userId="9738715a2d075a3d" providerId="LiveId" clId="{B0CA5465-E589-440D-A9B0-740531615B47}" dt="2021-12-21T21:04:06.576" v="420" actId="1076"/>
+          <ac:picMkLst>
+            <pc:docMk/>
+            <pc:sldMk cId="405626480" sldId="269"/>
+            <ac:picMk id="4" creationId="{F9DFB66B-F348-4D5D-BED3-A9A8E0CB3CE4}"/>
+          </ac:picMkLst>
+        </pc:picChg>
         <pc:picChg chg="add mod ord">
           <ac:chgData name="Dane Holmes" userId="9738715a2d075a3d" providerId="LiveId" clId="{B0CA5465-E589-440D-A9B0-740531615B47}" dt="2021-12-21T20:33:56.023" v="304" actId="1076"/>
           <ac:picMkLst>
@@ -258,8 +266,8 @@
             <ac:picMk id="9" creationId="{53930C8E-CBFB-4790-AB1E-5394B809765A}"/>
           </ac:picMkLst>
         </pc:picChg>
-        <pc:picChg chg="add mod">
-          <ac:chgData name="Dane Holmes" userId="9738715a2d075a3d" providerId="LiveId" clId="{B0CA5465-E589-440D-A9B0-740531615B47}" dt="2021-12-21T20:45:55.356" v="391" actId="1076"/>
+        <pc:picChg chg="add del mod">
+          <ac:chgData name="Dane Holmes" userId="9738715a2d075a3d" providerId="LiveId" clId="{B0CA5465-E589-440D-A9B0-740531615B47}" dt="2021-12-21T21:03:51.353" v="413" actId="478"/>
           <ac:picMkLst>
             <pc:docMk/>
             <pc:sldMk cId="405626480" sldId="269"/>
@@ -5267,10 +5275,10 @@
       </p:pic>
       <p:pic>
         <p:nvPicPr>
-          <p:cNvPr id="11" name="Picture 10">
-            <a:extLst>
-              <a:ext uri="{FF2B5EF4-FFF2-40B4-BE49-F238E27FC236}">
-                <a16:creationId xmlns:a16="http://schemas.microsoft.com/office/drawing/2014/main" id="{0CD583AA-1ECC-44C3-8EB4-FB74DF21E07E}"/>
+          <p:cNvPr id="4" name="Picture 3">
+            <a:extLst>
+              <a:ext uri="{FF2B5EF4-FFF2-40B4-BE49-F238E27FC236}">
+                <a16:creationId xmlns:a16="http://schemas.microsoft.com/office/drawing/2014/main" id="{F9DFB66B-F348-4D5D-BED3-A9A8E0CB3CE4}"/>
               </a:ext>
             </a:extLst>
           </p:cNvPr>
@@ -5287,8 +5295,8 @@
         </p:blipFill>
         <p:spPr>
           <a:xfrm>
-            <a:off x="1292901" y="4399103"/>
-            <a:ext cx="3710173" cy="2370623"/>
+            <a:off x="1077363" y="4400572"/>
+            <a:ext cx="4223767" cy="2337119"/>
           </a:xfrm>
           <a:prstGeom prst="rect">
             <a:avLst/>

--- a/Dane_Holmes_DDS_Project_1_EDA.pptx
+++ b/Dane_Holmes_DDS_Project_1_EDA.pptx
@@ -127,7 +127,7 @@
 <file path=ppt/revisionInfo.xml><?xml version="1.0" encoding="utf-8"?>
 <p1510:revInfo xmlns:a="http://schemas.openxmlformats.org/drawingml/2006/main" xmlns:r="http://schemas.openxmlformats.org/officeDocument/2006/relationships" xmlns:p1510="http://schemas.microsoft.com/office/powerpoint/2015/10/main">
   <p1510:revLst>
-    <p1510:client id="{B0CA5465-E589-440D-A9B0-740531615B47}" v="4" dt="2021-12-21T20:57:34.405"/>
+    <p1510:client id="{B0CA5465-E589-440D-A9B0-740531615B47}" v="6" dt="2021-12-21T21:25:58.491"/>
   </p1510:revLst>
 </p1510:revInfo>
 </file>
@@ -136,23 +136,47 @@
 <pc:chgInfo xmlns:a="http://schemas.openxmlformats.org/drawingml/2006/main" xmlns:r="http://schemas.openxmlformats.org/officeDocument/2006/relationships" xmlns:ac="http://schemas.microsoft.com/office/drawing/2013/main/command" xmlns:pc="http://schemas.microsoft.com/office/powerpoint/2013/main/command">
   <pc:docChgLst>
     <pc:chgData name="Dane Holmes" userId="9738715a2d075a3d" providerId="LiveId" clId="{B0CA5465-E589-440D-A9B0-740531615B47}"/>
-    <pc:docChg chg="custSel addSld modSld sldOrd">
-      <pc:chgData name="Dane Holmes" userId="9738715a2d075a3d" providerId="LiveId" clId="{B0CA5465-E589-440D-A9B0-740531615B47}" dt="2021-12-21T21:04:06.576" v="420" actId="1076"/>
+    <pc:docChg chg="undo custSel addSld modSld sldOrd">
+      <pc:chgData name="Dane Holmes" userId="9738715a2d075a3d" providerId="LiveId" clId="{B0CA5465-E589-440D-A9B0-740531615B47}" dt="2021-12-21T21:26:44.094" v="464" actId="1076"/>
       <pc:docMkLst>
         <pc:docMk/>
       </pc:docMkLst>
-      <pc:sldChg chg="addSp modSp mod">
-        <pc:chgData name="Dane Holmes" userId="9738715a2d075a3d" providerId="LiveId" clId="{B0CA5465-E589-440D-A9B0-740531615B47}" dt="2021-12-21T20:38:22.719" v="366" actId="313"/>
+      <pc:sldChg chg="addSp delSp modSp mod">
+        <pc:chgData name="Dane Holmes" userId="9738715a2d075a3d" providerId="LiveId" clId="{B0CA5465-E589-440D-A9B0-740531615B47}" dt="2021-12-21T21:26:44.094" v="464" actId="1076"/>
         <pc:sldMkLst>
           <pc:docMk/>
           <pc:sldMk cId="3698369124" sldId="267"/>
         </pc:sldMkLst>
+        <pc:spChg chg="mod">
+          <ac:chgData name="Dane Holmes" userId="9738715a2d075a3d" providerId="LiveId" clId="{B0CA5465-E589-440D-A9B0-740531615B47}" dt="2021-12-21T21:26:35.128" v="461" actId="27636"/>
+          <ac:spMkLst>
+            <pc:docMk/>
+            <pc:sldMk cId="3698369124" sldId="267"/>
+            <ac:spMk id="5" creationId="{3809C354-C661-4203-B531-DEFB262471AE}"/>
+          </ac:spMkLst>
+        </pc:spChg>
         <pc:spChg chg="add mod">
           <ac:chgData name="Dane Holmes" userId="9738715a2d075a3d" providerId="LiveId" clId="{B0CA5465-E589-440D-A9B0-740531615B47}" dt="2021-12-21T20:38:22.719" v="366" actId="313"/>
           <ac:spMkLst>
             <pc:docMk/>
             <pc:sldMk cId="3698369124" sldId="267"/>
             <ac:spMk id="6" creationId="{DB1D87F7-F164-47B3-A2F0-08E9356B094E}"/>
+          </ac:spMkLst>
+        </pc:spChg>
+        <pc:spChg chg="add del mod">
+          <ac:chgData name="Dane Holmes" userId="9738715a2d075a3d" providerId="LiveId" clId="{B0CA5465-E589-440D-A9B0-740531615B47}" dt="2021-12-21T21:25:53.947" v="428"/>
+          <ac:spMkLst>
+            <pc:docMk/>
+            <pc:sldMk cId="3698369124" sldId="267"/>
+            <ac:spMk id="9" creationId="{16627B1C-A965-4A0C-89C0-0449C2ACFDB6}"/>
+          </ac:spMkLst>
+        </pc:spChg>
+        <pc:spChg chg="add mod">
+          <ac:chgData name="Dane Holmes" userId="9738715a2d075a3d" providerId="LiveId" clId="{B0CA5465-E589-440D-A9B0-740531615B47}" dt="2021-12-21T21:26:44.094" v="464" actId="1076"/>
+          <ac:spMkLst>
+            <pc:docMk/>
+            <pc:sldMk cId="3698369124" sldId="267"/>
+            <ac:spMk id="10" creationId="{FAA24963-8B33-48A6-95FA-21AD1C1D4F01}"/>
           </ac:spMkLst>
         </pc:spChg>
         <pc:spChg chg="mod">
@@ -177,6 +201,14 @@
             <pc:docMk/>
             <pc:sldMk cId="3698369124" sldId="267"/>
             <ac:picMk id="7" creationId="{22A178B7-68AE-444D-8A4E-FAF4AD1EC097}"/>
+          </ac:picMkLst>
+        </pc:picChg>
+        <pc:picChg chg="add mod">
+          <ac:chgData name="Dane Holmes" userId="9738715a2d075a3d" providerId="LiveId" clId="{B0CA5465-E589-440D-A9B0-740531615B47}" dt="2021-12-21T21:26:42.534" v="463" actId="1076"/>
+          <ac:picMkLst>
+            <pc:docMk/>
+            <pc:sldMk cId="3698369124" sldId="267"/>
+            <ac:picMk id="8" creationId="{AE62C8F0-8BF3-4A7C-816C-F152D1783427}"/>
           </ac:picMkLst>
         </pc:picChg>
       </pc:sldChg>
@@ -5390,8 +5422,8 @@
         </p:nvSpPr>
         <p:spPr>
           <a:xfrm>
-            <a:off x="1077362" y="2434974"/>
-            <a:ext cx="3188106" cy="3505855"/>
+            <a:off x="1077362" y="2434975"/>
+            <a:ext cx="3082262" cy="2573308"/>
           </a:xfrm>
           <a:prstGeom prst="rect">
             <a:avLst/>
@@ -5399,7 +5431,7 @@
         </p:spPr>
         <p:txBody>
           <a:bodyPr vert="horz" lIns="91440" tIns="45720" rIns="91440" bIns="45720" rtlCol="0">
-            <a:normAutofit/>
+            <a:normAutofit fontScale="92500" lnSpcReduction="10000"/>
           </a:bodyPr>
           <a:lstStyle/>
           <a:p>
@@ -5429,16 +5461,9 @@
               <a:rPr lang="en-US" dirty="0"/>
               <a:t>Using an outside source to group beers into more manageable style groups allowed for better and less busy plots.</a:t>
             </a:r>
-          </a:p>
-          <a:p>
-            <a:pPr defTabSz="914400">
-              <a:lnSpc>
-                <a:spcPct val="120000"/>
-              </a:lnSpc>
-              <a:spcAft>
-                <a:spcPts val="600"/>
-              </a:spcAft>
-            </a:pPr>
+            <a:br>
+              <a:rPr lang="en-US" dirty="0"/>
+            </a:br>
             <a:endParaRPr lang="en-US" dirty="0"/>
           </a:p>
           <a:p>
@@ -5585,6 +5610,71 @@
             <a:r>
               <a:rPr lang="en-US" sz="1200" dirty="0"/>
               <a:t>“Other” Category (Top 15)</a:t>
+            </a:r>
+          </a:p>
+        </p:txBody>
+      </p:sp>
+      <p:pic>
+        <p:nvPicPr>
+          <p:cNvPr id="8" name="Picture 7">
+            <a:extLst>
+              <a:ext uri="{FF2B5EF4-FFF2-40B4-BE49-F238E27FC236}">
+                <a16:creationId xmlns:a16="http://schemas.microsoft.com/office/drawing/2014/main" id="{AE62C8F0-8BF3-4A7C-816C-F152D1783427}"/>
+              </a:ext>
+            </a:extLst>
+          </p:cNvPr>
+          <p:cNvPicPr>
+            <a:picLocks noChangeAspect="1"/>
+          </p:cNvPicPr>
+          <p:nvPr/>
+        </p:nvPicPr>
+        <p:blipFill>
+          <a:blip r:embed="rId4"/>
+          <a:stretch>
+            <a:fillRect/>
+          </a:stretch>
+        </p:blipFill>
+        <p:spPr>
+          <a:xfrm>
+            <a:off x="1077362" y="5732464"/>
+            <a:ext cx="3658348" cy="674589"/>
+          </a:xfrm>
+          <a:prstGeom prst="rect">
+            <a:avLst/>
+          </a:prstGeom>
+        </p:spPr>
+      </p:pic>
+      <p:sp>
+        <p:nvSpPr>
+          <p:cNvPr id="10" name="TextBox 9">
+            <a:extLst>
+              <a:ext uri="{FF2B5EF4-FFF2-40B4-BE49-F238E27FC236}">
+                <a16:creationId xmlns:a16="http://schemas.microsoft.com/office/drawing/2014/main" id="{FAA24963-8B33-48A6-95FA-21AD1C1D4F01}"/>
+              </a:ext>
+            </a:extLst>
+          </p:cNvPr>
+          <p:cNvSpPr txBox="1"/>
+          <p:nvPr/>
+        </p:nvSpPr>
+        <p:spPr>
+          <a:xfrm>
+            <a:off x="1077362" y="5393910"/>
+            <a:ext cx="3188106" cy="338554"/>
+          </a:xfrm>
+          <a:prstGeom prst="rect">
+            <a:avLst/>
+          </a:prstGeom>
+          <a:noFill/>
+        </p:spPr>
+        <p:txBody>
+          <a:bodyPr wrap="square" rtlCol="0">
+            <a:spAutoFit/>
+          </a:bodyPr>
+          <a:lstStyle/>
+          <a:p>
+            <a:r>
+              <a:rPr lang="en-US" sz="1600" dirty="0"/>
+              <a:t>ABV &amp; IBU Categories</a:t>
             </a:r>
           </a:p>
         </p:txBody>

--- a/Dane_Holmes_DDS_Project_1_EDA.pptx
+++ b/Dane_Holmes_DDS_Project_1_EDA.pptx
@@ -137,7 +137,7 @@
   <pc:docChgLst>
     <pc:chgData name="Dane Holmes" userId="9738715a2d075a3d" providerId="LiveId" clId="{B0CA5465-E589-440D-A9B0-740531615B47}"/>
     <pc:docChg chg="undo custSel addSld modSld sldOrd">
-      <pc:chgData name="Dane Holmes" userId="9738715a2d075a3d" providerId="LiveId" clId="{B0CA5465-E589-440D-A9B0-740531615B47}" dt="2021-12-21T21:26:44.094" v="464" actId="1076"/>
+      <pc:chgData name="Dane Holmes" userId="9738715a2d075a3d" providerId="LiveId" clId="{B0CA5465-E589-440D-A9B0-740531615B47}" dt="2021-12-22T00:43:08.475" v="497" actId="33524"/>
       <pc:docMkLst>
         <pc:docMk/>
       </pc:docMkLst>
@@ -211,6 +211,21 @@
             <ac:picMk id="8" creationId="{AE62C8F0-8BF3-4A7C-816C-F152D1783427}"/>
           </ac:picMkLst>
         </pc:picChg>
+      </pc:sldChg>
+      <pc:sldChg chg="addSp modSp mod">
+        <pc:chgData name="Dane Holmes" userId="9738715a2d075a3d" providerId="LiveId" clId="{B0CA5465-E589-440D-A9B0-740531615B47}" dt="2021-12-22T00:43:08.475" v="497" actId="33524"/>
+        <pc:sldMkLst>
+          <pc:docMk/>
+          <pc:sldMk cId="2909093754" sldId="268"/>
+        </pc:sldMkLst>
+        <pc:spChg chg="add mod">
+          <ac:chgData name="Dane Holmes" userId="9738715a2d075a3d" providerId="LiveId" clId="{B0CA5465-E589-440D-A9B0-740531615B47}" dt="2021-12-22T00:43:08.475" v="497" actId="33524"/>
+          <ac:spMkLst>
+            <pc:docMk/>
+            <pc:sldMk cId="2909093754" sldId="268"/>
+            <ac:spMk id="9" creationId="{98084F2E-44C2-441B-A643-6FA894AA8DD7}"/>
+          </ac:spMkLst>
+        </pc:spChg>
       </pc:sldChg>
       <pc:sldChg chg="addSp delSp modSp add mod ord setBg">
         <pc:chgData name="Dane Holmes" userId="9738715a2d075a3d" providerId="LiveId" clId="{B0CA5465-E589-440D-A9B0-740531615B47}" dt="2021-12-21T21:04:06.576" v="420" actId="1076"/>
@@ -7034,6 +7049,58 @@
           </a:prstGeom>
         </p:spPr>
       </p:pic>
+      <p:sp>
+        <p:nvSpPr>
+          <p:cNvPr id="9" name="TextBox 8">
+            <a:extLst>
+              <a:ext uri="{FF2B5EF4-FFF2-40B4-BE49-F238E27FC236}">
+                <a16:creationId xmlns:a16="http://schemas.microsoft.com/office/drawing/2014/main" id="{98084F2E-44C2-441B-A643-6FA894AA8DD7}"/>
+              </a:ext>
+            </a:extLst>
+          </p:cNvPr>
+          <p:cNvSpPr txBox="1"/>
+          <p:nvPr/>
+        </p:nvSpPr>
+        <p:spPr>
+          <a:xfrm>
+            <a:off x="1077364" y="3733799"/>
+            <a:ext cx="4140096" cy="2462213"/>
+          </a:xfrm>
+          <a:prstGeom prst="rect">
+            <a:avLst/>
+          </a:prstGeom>
+          <a:noFill/>
+        </p:spPr>
+        <p:txBody>
+          <a:bodyPr wrap="square">
+            <a:spAutoFit/>
+          </a:bodyPr>
+          <a:lstStyle/>
+          <a:p>
+            <a:r>
+              <a:rPr lang="en-US" sz="1400" dirty="0"/>
+              <a:t>On November 1</a:t>
+            </a:r>
+            <a:r>
+              <a:rPr lang="en-US" sz="1400"/>
+              <a:t>, 2019, </a:t>
+            </a:r>
+            <a:r>
+              <a:rPr lang="en-US" sz="1400" dirty="0"/>
+              <a:t>Utah alcohol laws were updated once again.  This time it was in favor of higher alcohol beer in grocery stores and convenience stores.  Previously, Utah law only allowed these locations to sell retail beer with alcohol content up to 4% alcohol by volume.  The new law allows for retail beer up to 5% ABV.  Beer with higher than 5% ABV will continue to be sold in state-run liquor stores just as it was before.</a:t>
+            </a:r>
+          </a:p>
+          <a:p>
+            <a:endParaRPr lang="en-US" sz="1400" dirty="0"/>
+          </a:p>
+          <a:p>
+            <a:r>
+              <a:rPr lang="en-US" sz="1400" dirty="0"/>
+              <a:t>From - Utah.com</a:t>
+            </a:r>
+          </a:p>
+        </p:txBody>
+      </p:sp>
     </p:spTree>
     <p:extLst>
       <p:ext uri="{BB962C8B-B14F-4D97-AF65-F5344CB8AC3E}">
